--- a/document/포션 제조 게임.pptx
+++ b/document/포션 제조 게임.pptx
@@ -277,7 +277,7 @@
           <a:p>
             <a:fld id="{FB9A3BCB-7A9E-49D8-BC99-9C793AC8F21A}" type="datetimeFigureOut">
               <a:rPr lang="ko-KR" altLang="en-US" smtClean="0"/>
-              <a:t>2024-08-02</a:t>
+              <a:t>2024-08-06</a:t>
             </a:fld>
             <a:endParaRPr lang="ko-KR" altLang="en-US"/>
           </a:p>
@@ -475,7 +475,7 @@
           <a:p>
             <a:fld id="{FB9A3BCB-7A9E-49D8-BC99-9C793AC8F21A}" type="datetimeFigureOut">
               <a:rPr lang="ko-KR" altLang="en-US" smtClean="0"/>
-              <a:t>2024-08-02</a:t>
+              <a:t>2024-08-06</a:t>
             </a:fld>
             <a:endParaRPr lang="ko-KR" altLang="en-US"/>
           </a:p>
@@ -683,7 +683,7 @@
           <a:p>
             <a:fld id="{FB9A3BCB-7A9E-49D8-BC99-9C793AC8F21A}" type="datetimeFigureOut">
               <a:rPr lang="ko-KR" altLang="en-US" smtClean="0"/>
-              <a:t>2024-08-02</a:t>
+              <a:t>2024-08-06</a:t>
             </a:fld>
             <a:endParaRPr lang="ko-KR" altLang="en-US"/>
           </a:p>
@@ -881,7 +881,7 @@
           <a:p>
             <a:fld id="{FB9A3BCB-7A9E-49D8-BC99-9C793AC8F21A}" type="datetimeFigureOut">
               <a:rPr lang="ko-KR" altLang="en-US" smtClean="0"/>
-              <a:t>2024-08-02</a:t>
+              <a:t>2024-08-06</a:t>
             </a:fld>
             <a:endParaRPr lang="ko-KR" altLang="en-US"/>
           </a:p>
@@ -1156,7 +1156,7 @@
           <a:p>
             <a:fld id="{FB9A3BCB-7A9E-49D8-BC99-9C793AC8F21A}" type="datetimeFigureOut">
               <a:rPr lang="ko-KR" altLang="en-US" smtClean="0"/>
-              <a:t>2024-08-02</a:t>
+              <a:t>2024-08-06</a:t>
             </a:fld>
             <a:endParaRPr lang="ko-KR" altLang="en-US"/>
           </a:p>
@@ -1421,7 +1421,7 @@
           <a:p>
             <a:fld id="{FB9A3BCB-7A9E-49D8-BC99-9C793AC8F21A}" type="datetimeFigureOut">
               <a:rPr lang="ko-KR" altLang="en-US" smtClean="0"/>
-              <a:t>2024-08-02</a:t>
+              <a:t>2024-08-06</a:t>
             </a:fld>
             <a:endParaRPr lang="ko-KR" altLang="en-US"/>
           </a:p>
@@ -1833,7 +1833,7 @@
           <a:p>
             <a:fld id="{FB9A3BCB-7A9E-49D8-BC99-9C793AC8F21A}" type="datetimeFigureOut">
               <a:rPr lang="ko-KR" altLang="en-US" smtClean="0"/>
-              <a:t>2024-08-02</a:t>
+              <a:t>2024-08-06</a:t>
             </a:fld>
             <a:endParaRPr lang="ko-KR" altLang="en-US"/>
           </a:p>
@@ -1974,7 +1974,7 @@
           <a:p>
             <a:fld id="{FB9A3BCB-7A9E-49D8-BC99-9C793AC8F21A}" type="datetimeFigureOut">
               <a:rPr lang="ko-KR" altLang="en-US" smtClean="0"/>
-              <a:t>2024-08-02</a:t>
+              <a:t>2024-08-06</a:t>
             </a:fld>
             <a:endParaRPr lang="ko-KR" altLang="en-US"/>
           </a:p>
@@ -2087,7 +2087,7 @@
           <a:p>
             <a:fld id="{FB9A3BCB-7A9E-49D8-BC99-9C793AC8F21A}" type="datetimeFigureOut">
               <a:rPr lang="ko-KR" altLang="en-US" smtClean="0"/>
-              <a:t>2024-08-02</a:t>
+              <a:t>2024-08-06</a:t>
             </a:fld>
             <a:endParaRPr lang="ko-KR" altLang="en-US"/>
           </a:p>
@@ -2398,7 +2398,7 @@
           <a:p>
             <a:fld id="{FB9A3BCB-7A9E-49D8-BC99-9C793AC8F21A}" type="datetimeFigureOut">
               <a:rPr lang="ko-KR" altLang="en-US" smtClean="0"/>
-              <a:t>2024-08-02</a:t>
+              <a:t>2024-08-06</a:t>
             </a:fld>
             <a:endParaRPr lang="ko-KR" altLang="en-US"/>
           </a:p>
@@ -2686,7 +2686,7 @@
           <a:p>
             <a:fld id="{FB9A3BCB-7A9E-49D8-BC99-9C793AC8F21A}" type="datetimeFigureOut">
               <a:rPr lang="ko-KR" altLang="en-US" smtClean="0"/>
-              <a:t>2024-08-02</a:t>
+              <a:t>2024-08-06</a:t>
             </a:fld>
             <a:endParaRPr lang="ko-KR" altLang="en-US"/>
           </a:p>
@@ -2927,7 +2927,7 @@
           <a:p>
             <a:fld id="{FB9A3BCB-7A9E-49D8-BC99-9C793AC8F21A}" type="datetimeFigureOut">
               <a:rPr lang="ko-KR" altLang="en-US" smtClean="0"/>
-              <a:t>2024-08-02</a:t>
+              <a:t>2024-08-06</a:t>
             </a:fld>
             <a:endParaRPr lang="ko-KR" altLang="en-US"/>
           </a:p>
@@ -9718,6 +9718,331 @@
           </a:p>
         </p:txBody>
       </p:sp>
+      <p:pic>
+        <p:nvPicPr>
+          <p:cNvPr id="14" name="그림 13" descr="텍스트, 스크린샷, 직사각형, 도표이(가) 표시된 사진&#10;&#10;자동 생성된 설명">
+            <a:extLst>
+              <a:ext uri="{FF2B5EF4-FFF2-40B4-BE49-F238E27FC236}">
+                <a16:creationId xmlns:a16="http://schemas.microsoft.com/office/drawing/2014/main" id="{E2B5C5C5-1585-6192-2531-A0BE612052E6}"/>
+              </a:ext>
+            </a:extLst>
+          </p:cNvPr>
+          <p:cNvPicPr>
+            <a:picLocks noChangeAspect="1"/>
+          </p:cNvPicPr>
+          <p:nvPr/>
+        </p:nvPicPr>
+        <p:blipFill>
+          <a:blip r:embed="rId2">
+            <a:extLst>
+              <a:ext uri="{28A0092B-C50C-407E-A947-70E740481C1C}">
+                <a14:useLocalDpi xmlns:a14="http://schemas.microsoft.com/office/drawing/2010/main" val="0"/>
+              </a:ext>
+            </a:extLst>
+          </a:blip>
+          <a:stretch>
+            <a:fillRect/>
+          </a:stretch>
+        </p:blipFill>
+        <p:spPr>
+          <a:xfrm>
+            <a:off x="2200609" y="1046487"/>
+            <a:ext cx="9735643" cy="5481313"/>
+          </a:xfrm>
+          <a:prstGeom prst="rect">
+            <a:avLst/>
+          </a:prstGeom>
+        </p:spPr>
+      </p:pic>
+      <p:sp>
+        <p:nvSpPr>
+          <p:cNvPr id="15" name="말풍선: 사각형 14">
+            <a:extLst>
+              <a:ext uri="{FF2B5EF4-FFF2-40B4-BE49-F238E27FC236}">
+                <a16:creationId xmlns:a16="http://schemas.microsoft.com/office/drawing/2014/main" id="{D8E13A52-88C2-A3A5-744A-1409A3FE691C}"/>
+              </a:ext>
+            </a:extLst>
+          </p:cNvPr>
+          <p:cNvSpPr/>
+          <p:nvPr/>
+        </p:nvSpPr>
+        <p:spPr>
+          <a:xfrm>
+            <a:off x="1928997" y="4183297"/>
+            <a:ext cx="2969608" cy="442548"/>
+          </a:xfrm>
+          <a:prstGeom prst="wedgeRectCallout">
+            <a:avLst>
+              <a:gd name="adj1" fmla="val 15322"/>
+              <a:gd name="adj2" fmla="val -97095"/>
+            </a:avLst>
+          </a:prstGeom>
+          <a:solidFill>
+            <a:schemeClr val="bg1">
+              <a:lumMod val="85000"/>
+            </a:schemeClr>
+          </a:solidFill>
+          <a:ln>
+            <a:solidFill>
+              <a:schemeClr val="tx1"/>
+            </a:solidFill>
+          </a:ln>
+        </p:spPr>
+        <p:style>
+          <a:lnRef idx="2">
+            <a:schemeClr val="accent1">
+              <a:shade val="15000"/>
+            </a:schemeClr>
+          </a:lnRef>
+          <a:fillRef idx="1">
+            <a:schemeClr val="accent1"/>
+          </a:fillRef>
+          <a:effectRef idx="0">
+            <a:schemeClr val="accent1"/>
+          </a:effectRef>
+          <a:fontRef idx="minor">
+            <a:schemeClr val="lt1"/>
+          </a:fontRef>
+        </p:style>
+        <p:txBody>
+          <a:bodyPr rtlCol="0" anchor="ctr"/>
+          <a:lstStyle/>
+          <a:p>
+            <a:pPr algn="ctr"/>
+            <a:r>
+              <a:rPr lang="ko-KR" altLang="en-US" sz="1200" dirty="0" err="1">
+                <a:solidFill>
+                  <a:schemeClr val="tx1"/>
+                </a:solidFill>
+              </a:rPr>
+              <a:t>제조후</a:t>
+            </a:r>
+            <a:r>
+              <a:rPr lang="ko-KR" altLang="en-US" sz="1200" dirty="0">
+                <a:solidFill>
+                  <a:schemeClr val="tx1"/>
+                </a:solidFill>
+              </a:rPr>
+              <a:t> 요구 품질의 수치가 표시된다</a:t>
+            </a:r>
+            <a:r>
+              <a:rPr lang="en-US" altLang="ko-KR" sz="1200" dirty="0">
+                <a:solidFill>
+                  <a:schemeClr val="tx1"/>
+                </a:solidFill>
+              </a:rPr>
+              <a:t>.</a:t>
+            </a:r>
+          </a:p>
+        </p:txBody>
+      </p:sp>
+      <p:sp>
+        <p:nvSpPr>
+          <p:cNvPr id="16" name="말풍선: 사각형 15">
+            <a:extLst>
+              <a:ext uri="{FF2B5EF4-FFF2-40B4-BE49-F238E27FC236}">
+                <a16:creationId xmlns:a16="http://schemas.microsoft.com/office/drawing/2014/main" id="{F2A3E3DB-BD9F-FA98-6143-689C7F1BAAA3}"/>
+              </a:ext>
+            </a:extLst>
+          </p:cNvPr>
+          <p:cNvSpPr/>
+          <p:nvPr/>
+        </p:nvSpPr>
+        <p:spPr>
+          <a:xfrm>
+            <a:off x="5163262" y="2217031"/>
+            <a:ext cx="3421937" cy="619207"/>
+          </a:xfrm>
+          <a:prstGeom prst="wedgeRectCallout">
+            <a:avLst>
+              <a:gd name="adj1" fmla="val -24437"/>
+              <a:gd name="adj2" fmla="val -85616"/>
+            </a:avLst>
+          </a:prstGeom>
+          <a:solidFill>
+            <a:schemeClr val="bg1">
+              <a:lumMod val="85000"/>
+            </a:schemeClr>
+          </a:solidFill>
+          <a:ln>
+            <a:solidFill>
+              <a:schemeClr val="tx1"/>
+            </a:solidFill>
+          </a:ln>
+        </p:spPr>
+        <p:style>
+          <a:lnRef idx="2">
+            <a:schemeClr val="accent1">
+              <a:shade val="15000"/>
+            </a:schemeClr>
+          </a:lnRef>
+          <a:fillRef idx="1">
+            <a:schemeClr val="accent1"/>
+          </a:fillRef>
+          <a:effectRef idx="0">
+            <a:schemeClr val="accent1"/>
+          </a:effectRef>
+          <a:fontRef idx="minor">
+            <a:schemeClr val="lt1"/>
+          </a:fontRef>
+        </p:style>
+        <p:txBody>
+          <a:bodyPr rtlCol="0" anchor="ctr"/>
+          <a:lstStyle/>
+          <a:p>
+            <a:pPr algn="ctr"/>
+            <a:r>
+              <a:rPr lang="ko-KR" altLang="en-US" sz="1200" dirty="0">
+                <a:solidFill>
+                  <a:schemeClr val="tx1"/>
+                </a:solidFill>
+              </a:rPr>
+              <a:t>요구 품질과 현재 제작된 품질을 비교한다</a:t>
+            </a:r>
+            <a:r>
+              <a:rPr lang="en-US" altLang="ko-KR" sz="1200" dirty="0">
+                <a:solidFill>
+                  <a:schemeClr val="tx1"/>
+                </a:solidFill>
+              </a:rPr>
+              <a:t>.</a:t>
+            </a:r>
+          </a:p>
+          <a:p>
+            <a:pPr algn="ctr"/>
+            <a:r>
+              <a:rPr lang="ko-KR" altLang="en-US" sz="1200" dirty="0">
+                <a:solidFill>
+                  <a:schemeClr val="tx1"/>
+                </a:solidFill>
+              </a:rPr>
+              <a:t>요구 품질이상의 품질이라면 성공이 된다</a:t>
+            </a:r>
+            <a:r>
+              <a:rPr lang="en-US" altLang="ko-KR" sz="1200" dirty="0">
+                <a:solidFill>
+                  <a:schemeClr val="tx1"/>
+                </a:solidFill>
+              </a:rPr>
+              <a:t>.</a:t>
+            </a:r>
+          </a:p>
+        </p:txBody>
+      </p:sp>
+      <p:sp>
+        <p:nvSpPr>
+          <p:cNvPr id="17" name="말풍선: 사각형 16">
+            <a:extLst>
+              <a:ext uri="{FF2B5EF4-FFF2-40B4-BE49-F238E27FC236}">
+                <a16:creationId xmlns:a16="http://schemas.microsoft.com/office/drawing/2014/main" id="{7B9412B4-C98C-858A-52C7-7A60F3883886}"/>
+              </a:ext>
+            </a:extLst>
+          </p:cNvPr>
+          <p:cNvSpPr/>
+          <p:nvPr/>
+        </p:nvSpPr>
+        <p:spPr>
+          <a:xfrm>
+            <a:off x="7279929" y="6073693"/>
+            <a:ext cx="3421937" cy="619207"/>
+          </a:xfrm>
+          <a:prstGeom prst="wedgeRectCallout">
+            <a:avLst>
+              <a:gd name="adj1" fmla="val -24437"/>
+              <a:gd name="adj2" fmla="val -85616"/>
+            </a:avLst>
+          </a:prstGeom>
+          <a:solidFill>
+            <a:schemeClr val="bg1">
+              <a:lumMod val="85000"/>
+            </a:schemeClr>
+          </a:solidFill>
+          <a:ln>
+            <a:solidFill>
+              <a:schemeClr val="tx1"/>
+            </a:solidFill>
+          </a:ln>
+        </p:spPr>
+        <p:style>
+          <a:lnRef idx="2">
+            <a:schemeClr val="accent1">
+              <a:shade val="15000"/>
+            </a:schemeClr>
+          </a:lnRef>
+          <a:fillRef idx="1">
+            <a:schemeClr val="accent1"/>
+          </a:fillRef>
+          <a:effectRef idx="0">
+            <a:schemeClr val="accent1"/>
+          </a:effectRef>
+          <a:fontRef idx="minor">
+            <a:schemeClr val="lt1"/>
+          </a:fontRef>
+        </p:style>
+        <p:txBody>
+          <a:bodyPr rtlCol="0" anchor="ctr"/>
+          <a:lstStyle/>
+          <a:p>
+            <a:pPr algn="ctr"/>
+            <a:r>
+              <a:rPr lang="ko-KR" altLang="en-US" sz="1200" dirty="0">
+                <a:solidFill>
+                  <a:schemeClr val="tx1"/>
+                </a:solidFill>
+              </a:rPr>
+              <a:t>플레이어는 두개의 </a:t>
+            </a:r>
+            <a:r>
+              <a:rPr lang="ko-KR" altLang="en-US" sz="1200" dirty="0" err="1">
+                <a:solidFill>
+                  <a:schemeClr val="tx1"/>
+                </a:solidFill>
+              </a:rPr>
+              <a:t>보상중</a:t>
+            </a:r>
+            <a:r>
+              <a:rPr lang="ko-KR" altLang="en-US" sz="1200" dirty="0">
+                <a:solidFill>
+                  <a:schemeClr val="tx1"/>
+                </a:solidFill>
+              </a:rPr>
+              <a:t> 하나를 클릭하고</a:t>
+            </a:r>
+            <a:endParaRPr lang="en-US" altLang="ko-KR" sz="1200" dirty="0">
+              <a:solidFill>
+                <a:schemeClr val="tx1"/>
+              </a:solidFill>
+            </a:endParaRPr>
+          </a:p>
+          <a:p>
+            <a:pPr algn="ctr"/>
+            <a:r>
+              <a:rPr lang="ko-KR" altLang="en-US" sz="1200" dirty="0" err="1">
+                <a:solidFill>
+                  <a:schemeClr val="tx1"/>
+                </a:solidFill>
+              </a:rPr>
+              <a:t>선택번튼을</a:t>
+            </a:r>
+            <a:r>
+              <a:rPr lang="ko-KR" altLang="en-US" sz="1200" dirty="0">
+                <a:solidFill>
+                  <a:schemeClr val="tx1"/>
+                </a:solidFill>
+              </a:rPr>
+              <a:t> 눌러 상점으로 넘어간다</a:t>
+            </a:r>
+            <a:r>
+              <a:rPr lang="en-US" altLang="ko-KR" sz="1200" dirty="0">
+                <a:solidFill>
+                  <a:schemeClr val="tx1"/>
+                </a:solidFill>
+              </a:rPr>
+              <a:t>.</a:t>
+            </a:r>
+          </a:p>
+        </p:txBody>
+      </p:sp>
     </p:spTree>
     <p:extLst>
       <p:ext uri="{BB962C8B-B14F-4D97-AF65-F5344CB8AC3E}">
@@ -11184,6 +11509,42 @@
           </a:p>
         </p:txBody>
       </p:sp>
+      <p:pic>
+        <p:nvPicPr>
+          <p:cNvPr id="5" name="그림 4" descr="텍스트, 스크린샷, 디스플레이, 직사각형이(가) 표시된 사진&#10;&#10;자동 생성된 설명">
+            <a:extLst>
+              <a:ext uri="{FF2B5EF4-FFF2-40B4-BE49-F238E27FC236}">
+                <a16:creationId xmlns:a16="http://schemas.microsoft.com/office/drawing/2014/main" id="{7C27A659-FF51-80A6-2554-598A8B90AFC4}"/>
+              </a:ext>
+            </a:extLst>
+          </p:cNvPr>
+          <p:cNvPicPr>
+            <a:picLocks noChangeAspect="1"/>
+          </p:cNvPicPr>
+          <p:nvPr/>
+        </p:nvPicPr>
+        <p:blipFill>
+          <a:blip r:embed="rId2">
+            <a:extLst>
+              <a:ext uri="{28A0092B-C50C-407E-A947-70E740481C1C}">
+                <a14:useLocalDpi xmlns:a14="http://schemas.microsoft.com/office/drawing/2010/main" val="0"/>
+              </a:ext>
+            </a:extLst>
+          </a:blip>
+          <a:stretch>
+            <a:fillRect/>
+          </a:stretch>
+        </p:blipFill>
+        <p:spPr>
+          <a:xfrm>
+            <a:off x="2727880" y="949920"/>
+            <a:ext cx="8615855" cy="4844592"/>
+          </a:xfrm>
+          <a:prstGeom prst="rect">
+            <a:avLst/>
+          </a:prstGeom>
+        </p:spPr>
+      </p:pic>
     </p:spTree>
     <p:extLst>
       <p:ext uri="{BB962C8B-B14F-4D97-AF65-F5344CB8AC3E}">

--- a/document/포션 제조 게임.pptx
+++ b/document/포션 제조 게임.pptx
@@ -277,7 +277,7 @@
           <a:p>
             <a:fld id="{FB9A3BCB-7A9E-49D8-BC99-9C793AC8F21A}" type="datetimeFigureOut">
               <a:rPr lang="ko-KR" altLang="en-US" smtClean="0"/>
-              <a:t>2024-08-06</a:t>
+              <a:t>2024-08-12</a:t>
             </a:fld>
             <a:endParaRPr lang="ko-KR" altLang="en-US"/>
           </a:p>
@@ -475,7 +475,7 @@
           <a:p>
             <a:fld id="{FB9A3BCB-7A9E-49D8-BC99-9C793AC8F21A}" type="datetimeFigureOut">
               <a:rPr lang="ko-KR" altLang="en-US" smtClean="0"/>
-              <a:t>2024-08-06</a:t>
+              <a:t>2024-08-12</a:t>
             </a:fld>
             <a:endParaRPr lang="ko-KR" altLang="en-US"/>
           </a:p>
@@ -683,7 +683,7 @@
           <a:p>
             <a:fld id="{FB9A3BCB-7A9E-49D8-BC99-9C793AC8F21A}" type="datetimeFigureOut">
               <a:rPr lang="ko-KR" altLang="en-US" smtClean="0"/>
-              <a:t>2024-08-06</a:t>
+              <a:t>2024-08-12</a:t>
             </a:fld>
             <a:endParaRPr lang="ko-KR" altLang="en-US"/>
           </a:p>
@@ -881,7 +881,7 @@
           <a:p>
             <a:fld id="{FB9A3BCB-7A9E-49D8-BC99-9C793AC8F21A}" type="datetimeFigureOut">
               <a:rPr lang="ko-KR" altLang="en-US" smtClean="0"/>
-              <a:t>2024-08-06</a:t>
+              <a:t>2024-08-12</a:t>
             </a:fld>
             <a:endParaRPr lang="ko-KR" altLang="en-US"/>
           </a:p>
@@ -1156,7 +1156,7 @@
           <a:p>
             <a:fld id="{FB9A3BCB-7A9E-49D8-BC99-9C793AC8F21A}" type="datetimeFigureOut">
               <a:rPr lang="ko-KR" altLang="en-US" smtClean="0"/>
-              <a:t>2024-08-06</a:t>
+              <a:t>2024-08-12</a:t>
             </a:fld>
             <a:endParaRPr lang="ko-KR" altLang="en-US"/>
           </a:p>
@@ -1421,7 +1421,7 @@
           <a:p>
             <a:fld id="{FB9A3BCB-7A9E-49D8-BC99-9C793AC8F21A}" type="datetimeFigureOut">
               <a:rPr lang="ko-KR" altLang="en-US" smtClean="0"/>
-              <a:t>2024-08-06</a:t>
+              <a:t>2024-08-12</a:t>
             </a:fld>
             <a:endParaRPr lang="ko-KR" altLang="en-US"/>
           </a:p>
@@ -1833,7 +1833,7 @@
           <a:p>
             <a:fld id="{FB9A3BCB-7A9E-49D8-BC99-9C793AC8F21A}" type="datetimeFigureOut">
               <a:rPr lang="ko-KR" altLang="en-US" smtClean="0"/>
-              <a:t>2024-08-06</a:t>
+              <a:t>2024-08-12</a:t>
             </a:fld>
             <a:endParaRPr lang="ko-KR" altLang="en-US"/>
           </a:p>
@@ -1974,7 +1974,7 @@
           <a:p>
             <a:fld id="{FB9A3BCB-7A9E-49D8-BC99-9C793AC8F21A}" type="datetimeFigureOut">
               <a:rPr lang="ko-KR" altLang="en-US" smtClean="0"/>
-              <a:t>2024-08-06</a:t>
+              <a:t>2024-08-12</a:t>
             </a:fld>
             <a:endParaRPr lang="ko-KR" altLang="en-US"/>
           </a:p>
@@ -2087,7 +2087,7 @@
           <a:p>
             <a:fld id="{FB9A3BCB-7A9E-49D8-BC99-9C793AC8F21A}" type="datetimeFigureOut">
               <a:rPr lang="ko-KR" altLang="en-US" smtClean="0"/>
-              <a:t>2024-08-06</a:t>
+              <a:t>2024-08-12</a:t>
             </a:fld>
             <a:endParaRPr lang="ko-KR" altLang="en-US"/>
           </a:p>
@@ -2398,7 +2398,7 @@
           <a:p>
             <a:fld id="{FB9A3BCB-7A9E-49D8-BC99-9C793AC8F21A}" type="datetimeFigureOut">
               <a:rPr lang="ko-KR" altLang="en-US" smtClean="0"/>
-              <a:t>2024-08-06</a:t>
+              <a:t>2024-08-12</a:t>
             </a:fld>
             <a:endParaRPr lang="ko-KR" altLang="en-US"/>
           </a:p>
@@ -2686,7 +2686,7 @@
           <a:p>
             <a:fld id="{FB9A3BCB-7A9E-49D8-BC99-9C793AC8F21A}" type="datetimeFigureOut">
               <a:rPr lang="ko-KR" altLang="en-US" smtClean="0"/>
-              <a:t>2024-08-06</a:t>
+              <a:t>2024-08-12</a:t>
             </a:fld>
             <a:endParaRPr lang="ko-KR" altLang="en-US"/>
           </a:p>
@@ -2927,7 +2927,7 @@
           <a:p>
             <a:fld id="{FB9A3BCB-7A9E-49D8-BC99-9C793AC8F21A}" type="datetimeFigureOut">
               <a:rPr lang="ko-KR" altLang="en-US" smtClean="0"/>
-              <a:t>2024-08-06</a:t>
+              <a:t>2024-08-12</a:t>
             </a:fld>
             <a:endParaRPr lang="ko-KR" altLang="en-US"/>
           </a:p>
@@ -8706,8 +8706,12 @@
               <a:buChar char="•"/>
             </a:pPr>
             <a:r>
+              <a:rPr lang="ko-KR" altLang="en-US" sz="1300" dirty="0" err="1"/>
+              <a:t>한번나온</a:t>
+            </a:r>
+            <a:r>
               <a:rPr lang="ko-KR" altLang="en-US" sz="1300" dirty="0"/>
-              <a:t>한번 사용한 카드는 충전하기전까지 사용할 수 없다</a:t>
+              <a:t> 수치는 충전하기전까지 다시 나오지 않는다</a:t>
             </a:r>
             <a:r>
               <a:rPr lang="en-US" altLang="ko-KR" sz="1300" dirty="0"/>

--- a/document/포션 제조 게임.pptx
+++ b/document/포션 제조 게임.pptx
@@ -277,7 +277,7 @@
           <a:p>
             <a:fld id="{FB9A3BCB-7A9E-49D8-BC99-9C793AC8F21A}" type="datetimeFigureOut">
               <a:rPr lang="ko-KR" altLang="en-US" smtClean="0"/>
-              <a:t>2024-08-12</a:t>
+              <a:t>2025-03-25</a:t>
             </a:fld>
             <a:endParaRPr lang="ko-KR" altLang="en-US"/>
           </a:p>
@@ -475,7 +475,7 @@
           <a:p>
             <a:fld id="{FB9A3BCB-7A9E-49D8-BC99-9C793AC8F21A}" type="datetimeFigureOut">
               <a:rPr lang="ko-KR" altLang="en-US" smtClean="0"/>
-              <a:t>2024-08-12</a:t>
+              <a:t>2025-03-25</a:t>
             </a:fld>
             <a:endParaRPr lang="ko-KR" altLang="en-US"/>
           </a:p>
@@ -683,7 +683,7 @@
           <a:p>
             <a:fld id="{FB9A3BCB-7A9E-49D8-BC99-9C793AC8F21A}" type="datetimeFigureOut">
               <a:rPr lang="ko-KR" altLang="en-US" smtClean="0"/>
-              <a:t>2024-08-12</a:t>
+              <a:t>2025-03-25</a:t>
             </a:fld>
             <a:endParaRPr lang="ko-KR" altLang="en-US"/>
           </a:p>
@@ -881,7 +881,7 @@
           <a:p>
             <a:fld id="{FB9A3BCB-7A9E-49D8-BC99-9C793AC8F21A}" type="datetimeFigureOut">
               <a:rPr lang="ko-KR" altLang="en-US" smtClean="0"/>
-              <a:t>2024-08-12</a:t>
+              <a:t>2025-03-25</a:t>
             </a:fld>
             <a:endParaRPr lang="ko-KR" altLang="en-US"/>
           </a:p>
@@ -1156,7 +1156,7 @@
           <a:p>
             <a:fld id="{FB9A3BCB-7A9E-49D8-BC99-9C793AC8F21A}" type="datetimeFigureOut">
               <a:rPr lang="ko-KR" altLang="en-US" smtClean="0"/>
-              <a:t>2024-08-12</a:t>
+              <a:t>2025-03-25</a:t>
             </a:fld>
             <a:endParaRPr lang="ko-KR" altLang="en-US"/>
           </a:p>
@@ -1421,7 +1421,7 @@
           <a:p>
             <a:fld id="{FB9A3BCB-7A9E-49D8-BC99-9C793AC8F21A}" type="datetimeFigureOut">
               <a:rPr lang="ko-KR" altLang="en-US" smtClean="0"/>
-              <a:t>2024-08-12</a:t>
+              <a:t>2025-03-25</a:t>
             </a:fld>
             <a:endParaRPr lang="ko-KR" altLang="en-US"/>
           </a:p>
@@ -1833,7 +1833,7 @@
           <a:p>
             <a:fld id="{FB9A3BCB-7A9E-49D8-BC99-9C793AC8F21A}" type="datetimeFigureOut">
               <a:rPr lang="ko-KR" altLang="en-US" smtClean="0"/>
-              <a:t>2024-08-12</a:t>
+              <a:t>2025-03-25</a:t>
             </a:fld>
             <a:endParaRPr lang="ko-KR" altLang="en-US"/>
           </a:p>
@@ -1974,7 +1974,7 @@
           <a:p>
             <a:fld id="{FB9A3BCB-7A9E-49D8-BC99-9C793AC8F21A}" type="datetimeFigureOut">
               <a:rPr lang="ko-KR" altLang="en-US" smtClean="0"/>
-              <a:t>2024-08-12</a:t>
+              <a:t>2025-03-25</a:t>
             </a:fld>
             <a:endParaRPr lang="ko-KR" altLang="en-US"/>
           </a:p>
@@ -2087,7 +2087,7 @@
           <a:p>
             <a:fld id="{FB9A3BCB-7A9E-49D8-BC99-9C793AC8F21A}" type="datetimeFigureOut">
               <a:rPr lang="ko-KR" altLang="en-US" smtClean="0"/>
-              <a:t>2024-08-12</a:t>
+              <a:t>2025-03-25</a:t>
             </a:fld>
             <a:endParaRPr lang="ko-KR" altLang="en-US"/>
           </a:p>
@@ -2398,7 +2398,7 @@
           <a:p>
             <a:fld id="{FB9A3BCB-7A9E-49D8-BC99-9C793AC8F21A}" type="datetimeFigureOut">
               <a:rPr lang="ko-KR" altLang="en-US" smtClean="0"/>
-              <a:t>2024-08-12</a:t>
+              <a:t>2025-03-25</a:t>
             </a:fld>
             <a:endParaRPr lang="ko-KR" altLang="en-US"/>
           </a:p>
@@ -2686,7 +2686,7 @@
           <a:p>
             <a:fld id="{FB9A3BCB-7A9E-49D8-BC99-9C793AC8F21A}" type="datetimeFigureOut">
               <a:rPr lang="ko-KR" altLang="en-US" smtClean="0"/>
-              <a:t>2024-08-12</a:t>
+              <a:t>2025-03-25</a:t>
             </a:fld>
             <a:endParaRPr lang="ko-KR" altLang="en-US"/>
           </a:p>
@@ -2927,7 +2927,7 @@
           <a:p>
             <a:fld id="{FB9A3BCB-7A9E-49D8-BC99-9C793AC8F21A}" type="datetimeFigureOut">
               <a:rPr lang="ko-KR" altLang="en-US" smtClean="0"/>
-              <a:t>2024-08-12</a:t>
+              <a:t>2025-03-25</a:t>
             </a:fld>
             <a:endParaRPr lang="ko-KR" altLang="en-US"/>
           </a:p>
@@ -3371,8 +3371,13 @@
             </a:r>
             <a:r>
               <a:rPr lang="ko-KR" altLang="en-US" dirty="0"/>
-              <a:t> 제조 게임</a:t>
-            </a:r>
+              <a:t> </a:t>
+            </a:r>
+            <a:r>
+              <a:rPr lang="ko-KR" altLang="en-US" dirty="0" err="1"/>
+              <a:t>마이스터</a:t>
+            </a:r>
+            <a:endParaRPr lang="ko-KR" altLang="en-US" dirty="0"/>
           </a:p>
         </p:txBody>
       </p:sp>
